--- a/yangli/ppt/linux开发环境.pptx
+++ b/yangli/ppt/linux开发环境.pptx
@@ -4246,7 +4246,7 @@
           <a:p>
             <a:pPr lvl="1"/>
             <a:r>
-              <a:rPr lang="en-US" altLang="zh-CN" dirty="0" err="1" smtClean="0"/>
+              <a:rPr lang="en-US" altLang="zh-CN" dirty="0" smtClean="0"/>
               <a:t>cmake_install_prefix</a:t>
             </a:r>
             <a:r>
@@ -4432,17 +4432,64 @@
               <a:rPr lang="en-US" altLang="zh-CN" dirty="0" err="1" smtClean="0"/>
               <a:t>jx</a:t>
             </a:r>
-            <a:r>
-              <a:rPr lang="zh-CN" altLang="en-US" dirty="0" smtClean="0"/>
-              <a:t>，</a:t>
-            </a:r>
+            <a:endParaRPr lang="en-US" altLang="zh-CN" dirty="0"/>
+          </a:p>
+          <a:p>
+            <a:pPr lvl="1"/>
             <a:r>
               <a:rPr lang="en-US" altLang="zh-CN" dirty="0" smtClean="0"/>
               <a:t>x</a:t>
             </a:r>
             <a:r>
               <a:rPr lang="zh-CN" altLang="en-US" dirty="0" smtClean="0"/>
-              <a:t>表示多线程编译的线程数，视你电脑的能力而定。</a:t>
+              <a:t>表示多线程编译的线程数，视你电脑的能力而定</a:t>
+            </a:r>
+            <a:r>
+              <a:rPr lang="zh-CN" altLang="en-US" dirty="0" smtClean="0"/>
+              <a:t>。</a:t>
+            </a:r>
+            <a:endParaRPr lang="en-US" altLang="zh-CN" dirty="0" smtClean="0"/>
+          </a:p>
+          <a:p>
+            <a:r>
+              <a:rPr lang="en-US" altLang="zh-CN" dirty="0" err="1" smtClean="0"/>
+              <a:t>sudo</a:t>
+            </a:r>
+            <a:r>
+              <a:rPr lang="en-US" altLang="zh-CN" dirty="0" smtClean="0"/>
+              <a:t> make install </a:t>
+            </a:r>
+            <a:endParaRPr lang="en-US" altLang="zh-CN" dirty="0"/>
+          </a:p>
+          <a:p>
+            <a:pPr lvl="1"/>
+            <a:r>
+              <a:rPr lang="zh-CN" altLang="en-US" dirty="0" smtClean="0"/>
+              <a:t>它会把头文件和库文件复制到你在前一步指定的</a:t>
+            </a:r>
+            <a:r>
+              <a:rPr lang="en-US" altLang="zh-CN" dirty="0" smtClean="0"/>
+              <a:t>cmake_install_prefix</a:t>
+            </a:r>
+            <a:r>
+              <a:rPr lang="zh-CN" altLang="en-US" dirty="0" smtClean="0"/>
+              <a:t>目录下。我的是</a:t>
+            </a:r>
+            <a:r>
+              <a:rPr lang="en-US" altLang="zh-CN" dirty="0" smtClean="0"/>
+              <a:t>/home/yl/opencv-3.2.0/</a:t>
+            </a:r>
+            <a:r>
+              <a:rPr lang="en-US" altLang="zh-CN" dirty="0" err="1" smtClean="0"/>
+              <a:t>buildlinux</a:t>
+            </a:r>
+            <a:r>
+              <a:rPr lang="en-US" altLang="zh-CN" dirty="0" smtClean="0"/>
+              <a:t>/install</a:t>
+            </a:r>
+            <a:r>
+              <a:rPr lang="zh-CN" altLang="en-US" dirty="0" smtClean="0"/>
+              <a:t>。</a:t>
             </a:r>
             <a:endParaRPr lang="zh-CN" altLang="en-US" dirty="0"/>
           </a:p>
